--- a/IPAddress/Images.pptx
+++ b/IPAddress/Images.pptx
@@ -249,7 +249,7 @@
           <a:p>
             <a:fld id="{B3D53CF9-C767-4936-92E6-BD864E96BA87}" type="datetimeFigureOut">
               <a:rPr lang="en-US" smtClean="0"/>
-              <a:t>6/24/2017</a:t>
+              <a:t>12/8/2017</a:t>
             </a:fld>
             <a:endParaRPr lang="en-US"/>
           </a:p>
@@ -417,7 +417,7 @@
           <a:p>
             <a:fld id="{B3D53CF9-C767-4936-92E6-BD864E96BA87}" type="datetimeFigureOut">
               <a:rPr lang="en-US" smtClean="0"/>
-              <a:t>6/24/2017</a:t>
+              <a:t>12/8/2017</a:t>
             </a:fld>
             <a:endParaRPr lang="en-US"/>
           </a:p>
@@ -595,7 +595,7 @@
           <a:p>
             <a:fld id="{B3D53CF9-C767-4936-92E6-BD864E96BA87}" type="datetimeFigureOut">
               <a:rPr lang="en-US" smtClean="0"/>
-              <a:t>6/24/2017</a:t>
+              <a:t>12/8/2017</a:t>
             </a:fld>
             <a:endParaRPr lang="en-US"/>
           </a:p>
@@ -763,7 +763,7 @@
           <a:p>
             <a:fld id="{B3D53CF9-C767-4936-92E6-BD864E96BA87}" type="datetimeFigureOut">
               <a:rPr lang="en-US" smtClean="0"/>
-              <a:t>6/24/2017</a:t>
+              <a:t>12/8/2017</a:t>
             </a:fld>
             <a:endParaRPr lang="en-US"/>
           </a:p>
@@ -1008,7 +1008,7 @@
           <a:p>
             <a:fld id="{B3D53CF9-C767-4936-92E6-BD864E96BA87}" type="datetimeFigureOut">
               <a:rPr lang="en-US" smtClean="0"/>
-              <a:t>6/24/2017</a:t>
+              <a:t>12/8/2017</a:t>
             </a:fld>
             <a:endParaRPr lang="en-US"/>
           </a:p>
@@ -1237,7 +1237,7 @@
           <a:p>
             <a:fld id="{B3D53CF9-C767-4936-92E6-BD864E96BA87}" type="datetimeFigureOut">
               <a:rPr lang="en-US" smtClean="0"/>
-              <a:t>6/24/2017</a:t>
+              <a:t>12/8/2017</a:t>
             </a:fld>
             <a:endParaRPr lang="en-US"/>
           </a:p>
@@ -1601,7 +1601,7 @@
           <a:p>
             <a:fld id="{B3D53CF9-C767-4936-92E6-BD864E96BA87}" type="datetimeFigureOut">
               <a:rPr lang="en-US" smtClean="0"/>
-              <a:t>6/24/2017</a:t>
+              <a:t>12/8/2017</a:t>
             </a:fld>
             <a:endParaRPr lang="en-US"/>
           </a:p>
@@ -1718,7 +1718,7 @@
           <a:p>
             <a:fld id="{B3D53CF9-C767-4936-92E6-BD864E96BA87}" type="datetimeFigureOut">
               <a:rPr lang="en-US" smtClean="0"/>
-              <a:t>6/24/2017</a:t>
+              <a:t>12/8/2017</a:t>
             </a:fld>
             <a:endParaRPr lang="en-US"/>
           </a:p>
@@ -1813,7 +1813,7 @@
           <a:p>
             <a:fld id="{B3D53CF9-C767-4936-92E6-BD864E96BA87}" type="datetimeFigureOut">
               <a:rPr lang="en-US" smtClean="0"/>
-              <a:t>6/24/2017</a:t>
+              <a:t>12/8/2017</a:t>
             </a:fld>
             <a:endParaRPr lang="en-US"/>
           </a:p>
@@ -2088,7 +2088,7 @@
           <a:p>
             <a:fld id="{B3D53CF9-C767-4936-92E6-BD864E96BA87}" type="datetimeFigureOut">
               <a:rPr lang="en-US" smtClean="0"/>
-              <a:t>6/24/2017</a:t>
+              <a:t>12/8/2017</a:t>
             </a:fld>
             <a:endParaRPr lang="en-US"/>
           </a:p>
@@ -2340,7 +2340,7 @@
           <a:p>
             <a:fld id="{B3D53CF9-C767-4936-92E6-BD864E96BA87}" type="datetimeFigureOut">
               <a:rPr lang="en-US" smtClean="0"/>
-              <a:t>6/24/2017</a:t>
+              <a:t>12/8/2017</a:t>
             </a:fld>
             <a:endParaRPr lang="en-US"/>
           </a:p>
@@ -2551,7 +2551,7 @@
           <a:p>
             <a:fld id="{B3D53CF9-C767-4936-92E6-BD864E96BA87}" type="datetimeFigureOut">
               <a:rPr lang="en-US" smtClean="0"/>
-              <a:t>6/24/2017</a:t>
+              <a:t>12/8/2017</a:t>
             </a:fld>
             <a:endParaRPr lang="en-US"/>
           </a:p>
@@ -3897,8 +3897,8 @@
         </p:nvSpPr>
         <p:spPr>
           <a:xfrm>
-            <a:off x="7907209" y="211873"/>
-            <a:ext cx="4284790" cy="6547079"/>
+            <a:off x="8550830" y="211873"/>
+            <a:ext cx="3641167" cy="6646127"/>
           </a:xfrm>
           <a:prstGeom prst="rect">
             <a:avLst/>
@@ -3954,7 +3954,7 @@
         <p:spPr>
           <a:xfrm>
             <a:off x="0" y="2067477"/>
-            <a:ext cx="2691272" cy="4691475"/>
+            <a:ext cx="2204921" cy="4790523"/>
           </a:xfrm>
           <a:prstGeom prst="rect">
             <a:avLst/>
@@ -4009,8 +4009,8 @@
         </p:nvSpPr>
         <p:spPr>
           <a:xfrm>
-            <a:off x="2770846" y="1309702"/>
-            <a:ext cx="5060920" cy="5459904"/>
+            <a:off x="2279609" y="1309702"/>
+            <a:ext cx="6192722" cy="5548298"/>
           </a:xfrm>
           <a:prstGeom prst="rect">
             <a:avLst/>
@@ -4176,7 +4176,7 @@
         <p:spPr>
           <a:xfrm flipH="1" flipV="1">
             <a:off x="10759083" y="1504069"/>
-            <a:ext cx="173978" cy="396108"/>
+            <a:ext cx="212637" cy="212180"/>
           </a:xfrm>
           <a:prstGeom prst="straightConnector1">
             <a:avLst/>
@@ -4219,8 +4219,8 @@
         </p:nvSpPr>
         <p:spPr>
           <a:xfrm>
-            <a:off x="7992607" y="1867840"/>
-            <a:ext cx="1849373" cy="604890"/>
+            <a:off x="8684515" y="2283792"/>
+            <a:ext cx="1849373" cy="549644"/>
           </a:xfrm>
           <a:prstGeom prst="rect">
             <a:avLst/>
@@ -4272,8 +4272,8 @@
         </p:nvSpPr>
         <p:spPr>
           <a:xfrm>
-            <a:off x="2953874" y="3062366"/>
-            <a:ext cx="1630717" cy="551511"/>
+            <a:off x="4101699" y="2607962"/>
+            <a:ext cx="1647165" cy="551511"/>
           </a:xfrm>
           <a:prstGeom prst="rect">
             <a:avLst/>
@@ -4325,8 +4325,8 @@
         </p:nvSpPr>
         <p:spPr>
           <a:xfrm>
-            <a:off x="5504458" y="1785599"/>
-            <a:ext cx="2253273" cy="597314"/>
+            <a:off x="5616298" y="1755829"/>
+            <a:ext cx="2253273" cy="578228"/>
           </a:xfrm>
           <a:prstGeom prst="rect">
             <a:avLst/>
@@ -4378,8 +4378,8 @@
         </p:nvSpPr>
         <p:spPr>
           <a:xfrm>
-            <a:off x="9973935" y="1900177"/>
-            <a:ext cx="1918252" cy="510051"/>
+            <a:off x="10096057" y="1716249"/>
+            <a:ext cx="1751325" cy="510051"/>
           </a:xfrm>
           <a:prstGeom prst="rect">
             <a:avLst/>
@@ -4536,8 +4536,8 @@
         </p:nvSpPr>
         <p:spPr>
           <a:xfrm>
-            <a:off x="2865814" y="1811884"/>
-            <a:ext cx="2377907" cy="583620"/>
+            <a:off x="2574727" y="1774594"/>
+            <a:ext cx="2336915" cy="551511"/>
           </a:xfrm>
           <a:prstGeom prst="rect">
             <a:avLst/>
@@ -4642,7 +4642,7 @@
         <p:spPr>
           <a:xfrm flipH="1" flipV="1">
             <a:off x="5376340" y="825426"/>
-            <a:ext cx="3540954" cy="1042414"/>
+            <a:ext cx="4232862" cy="1458366"/>
           </a:xfrm>
           <a:prstGeom prst="straightConnector1">
             <a:avLst/>
@@ -4732,8 +4732,8 @@
         </p:nvSpPr>
         <p:spPr>
           <a:xfrm>
-            <a:off x="9972630" y="2699170"/>
-            <a:ext cx="1918252" cy="629372"/>
+            <a:off x="10141382" y="3020153"/>
+            <a:ext cx="1842808" cy="539291"/>
           </a:xfrm>
           <a:prstGeom prst="rect">
             <a:avLst/>
@@ -4787,8 +4787,8 @@
         </p:nvSpPr>
         <p:spPr>
           <a:xfrm>
-            <a:off x="9972630" y="3603848"/>
-            <a:ext cx="1918252" cy="530253"/>
+            <a:off x="10096057" y="3895042"/>
+            <a:ext cx="1925855" cy="530253"/>
           </a:xfrm>
           <a:prstGeom prst="rect">
             <a:avLst/>
@@ -4842,8 +4842,8 @@
         </p:nvSpPr>
         <p:spPr>
           <a:xfrm>
-            <a:off x="7945718" y="4356922"/>
-            <a:ext cx="2201437" cy="545348"/>
+            <a:off x="8599320" y="4586665"/>
+            <a:ext cx="2281104" cy="545348"/>
           </a:xfrm>
           <a:prstGeom prst="rect">
             <a:avLst/>
@@ -4900,9 +4900,9 @@
           <p:nvPr/>
         </p:nvCxnSpPr>
         <p:spPr>
-          <a:xfrm flipV="1">
-            <a:off x="10931756" y="2410228"/>
-            <a:ext cx="1305" cy="288942"/>
+          <a:xfrm flipH="1" flipV="1">
+            <a:off x="10971720" y="2226300"/>
+            <a:ext cx="91066" cy="793853"/>
           </a:xfrm>
           <a:prstGeom prst="straightConnector1">
             <a:avLst/>
@@ -4949,8 +4949,8 @@
         </p:nvCxnSpPr>
         <p:spPr>
           <a:xfrm flipV="1">
-            <a:off x="10931756" y="3328542"/>
-            <a:ext cx="0" cy="275306"/>
+            <a:off x="11058985" y="3559444"/>
+            <a:ext cx="3801" cy="335598"/>
           </a:xfrm>
           <a:prstGeom prst="straightConnector1">
             <a:avLst/>
@@ -4997,8 +4997,8 @@
         </p:nvCxnSpPr>
         <p:spPr>
           <a:xfrm flipH="1" flipV="1">
-            <a:off x="8917294" y="2472730"/>
-            <a:ext cx="1055336" cy="1396245"/>
+            <a:off x="9609202" y="2833436"/>
+            <a:ext cx="486855" cy="1326733"/>
           </a:xfrm>
           <a:prstGeom prst="straightConnector1">
             <a:avLst/>
@@ -5041,7 +5041,7 @@
         </p:nvSpPr>
         <p:spPr>
           <a:xfrm>
-            <a:off x="8714084" y="5419443"/>
+            <a:off x="8715399" y="5402632"/>
             <a:ext cx="2164505" cy="522521"/>
           </a:xfrm>
           <a:prstGeom prst="rect">
@@ -5095,8 +5095,8 @@
         </p:nvSpPr>
         <p:spPr>
           <a:xfrm>
-            <a:off x="9966563" y="6098788"/>
-            <a:ext cx="2180033" cy="550483"/>
+            <a:off x="9976452" y="6090389"/>
+            <a:ext cx="2164505" cy="550483"/>
           </a:xfrm>
           <a:prstGeom prst="rect">
             <a:avLst/>
@@ -5152,9 +5152,9 @@
           <p:nvPr/>
         </p:nvCxnSpPr>
         <p:spPr>
-          <a:xfrm flipH="1" flipV="1">
-            <a:off x="10931756" y="4134101"/>
-            <a:ext cx="124824" cy="1964687"/>
+          <a:xfrm flipV="1">
+            <a:off x="11058705" y="4425295"/>
+            <a:ext cx="280" cy="1665094"/>
           </a:xfrm>
           <a:prstGeom prst="straightConnector1">
             <a:avLst/>
@@ -5194,15 +5194,15 @@
           </p:cNvPr>
           <p:cNvCxnSpPr>
             <a:cxnSpLocks/>
-            <a:stCxn id="78" idx="0"/>
+            <a:stCxn id="78" idx="3"/>
             <a:endCxn id="56" idx="2"/>
           </p:cNvCxnSpPr>
           <p:nvPr/>
         </p:nvCxnSpPr>
         <p:spPr>
           <a:xfrm flipV="1">
-            <a:off x="9796337" y="4134101"/>
-            <a:ext cx="1135419" cy="1285342"/>
+            <a:off x="10879904" y="4425295"/>
+            <a:ext cx="179081" cy="1238598"/>
           </a:xfrm>
           <a:prstGeom prst="straightConnector1">
             <a:avLst/>
@@ -5249,8 +5249,8 @@
         </p:nvCxnSpPr>
         <p:spPr>
           <a:xfrm flipH="1" flipV="1">
-            <a:off x="8917294" y="2472730"/>
-            <a:ext cx="129143" cy="1884192"/>
+            <a:off x="9609202" y="2833436"/>
+            <a:ext cx="130670" cy="1753229"/>
           </a:xfrm>
           <a:prstGeom prst="straightConnector1">
             <a:avLst/>
@@ -5296,8 +5296,8 @@
         </p:nvCxnSpPr>
         <p:spPr>
           <a:xfrm flipH="1" flipV="1">
-            <a:off x="11892187" y="2155203"/>
-            <a:ext cx="231697" cy="593488"/>
+            <a:off x="11847382" y="1971275"/>
+            <a:ext cx="231700" cy="593488"/>
           </a:xfrm>
           <a:prstGeom prst="straightConnector1">
             <a:avLst/>
@@ -5344,8 +5344,8 @@
         </p:nvCxnSpPr>
         <p:spPr>
           <a:xfrm flipH="1" flipV="1">
-            <a:off x="11890882" y="3013856"/>
-            <a:ext cx="156763" cy="629005"/>
+            <a:off x="11984190" y="3289799"/>
+            <a:ext cx="156766" cy="583968"/>
           </a:xfrm>
           <a:prstGeom prst="straightConnector1">
             <a:avLst/>
@@ -5386,15 +5386,15 @@
           </p:cNvPr>
           <p:cNvCxnSpPr>
             <a:cxnSpLocks/>
-            <a:stCxn id="12" idx="0"/>
+            <a:stCxn id="12" idx="1"/>
             <a:endCxn id="25" idx="2"/>
           </p:cNvCxnSpPr>
           <p:nvPr/>
         </p:nvCxnSpPr>
         <p:spPr>
-          <a:xfrm flipV="1">
-            <a:off x="3769233" y="2395504"/>
-            <a:ext cx="285535" cy="666862"/>
+          <a:xfrm flipH="1" flipV="1">
+            <a:off x="3743185" y="2326105"/>
+            <a:ext cx="358514" cy="557613"/>
           </a:xfrm>
           <a:prstGeom prst="straightConnector1">
             <a:avLst/>
@@ -5437,7 +5437,7 @@
         </p:nvSpPr>
         <p:spPr>
           <a:xfrm>
-            <a:off x="532121" y="2462344"/>
+            <a:off x="883752" y="2480138"/>
             <a:ext cx="1270754" cy="551512"/>
           </a:xfrm>
           <a:prstGeom prst="rect">
@@ -5495,8 +5495,8 @@
         </p:nvCxnSpPr>
         <p:spPr>
           <a:xfrm flipV="1">
-            <a:off x="1167498" y="2103694"/>
-            <a:ext cx="1698316" cy="358650"/>
+            <a:off x="1519129" y="2050350"/>
+            <a:ext cx="1055598" cy="429788"/>
           </a:xfrm>
           <a:prstGeom prst="straightConnector1">
             <a:avLst/>
@@ -5543,8 +5543,8 @@
         </p:nvCxnSpPr>
         <p:spPr>
           <a:xfrm flipV="1">
-            <a:off x="6631095" y="832595"/>
-            <a:ext cx="229606" cy="953004"/>
+            <a:off x="6742935" y="832595"/>
+            <a:ext cx="117766" cy="923234"/>
           </a:xfrm>
           <a:prstGeom prst="straightConnector1">
             <a:avLst/>
@@ -5587,8 +5587,8 @@
         </p:nvSpPr>
         <p:spPr>
           <a:xfrm>
-            <a:off x="5078112" y="2689153"/>
-            <a:ext cx="2650344" cy="578228"/>
+            <a:off x="5905630" y="2770969"/>
+            <a:ext cx="2524161" cy="578228"/>
           </a:xfrm>
           <a:prstGeom prst="rect">
             <a:avLst/>
@@ -5642,8 +5642,8 @@
         </p:nvSpPr>
         <p:spPr>
           <a:xfrm>
-            <a:off x="5004435" y="3599301"/>
-            <a:ext cx="2709280" cy="547811"/>
+            <a:off x="5743999" y="3666422"/>
+            <a:ext cx="2697933" cy="547811"/>
           </a:xfrm>
           <a:prstGeom prst="rect">
             <a:avLst/>
@@ -5700,9 +5700,9 @@
           <p:nvPr/>
         </p:nvCxnSpPr>
         <p:spPr>
-          <a:xfrm flipV="1">
-            <a:off x="6403284" y="2382913"/>
-            <a:ext cx="227811" cy="306240"/>
+          <a:xfrm flipH="1" flipV="1">
+            <a:off x="6742935" y="2334057"/>
+            <a:ext cx="424776" cy="436912"/>
           </a:xfrm>
           <a:prstGeom prst="straightConnector1">
             <a:avLst/>
@@ -5749,8 +5749,8 @@
         </p:nvCxnSpPr>
         <p:spPr>
           <a:xfrm flipV="1">
-            <a:off x="6359075" y="3267381"/>
-            <a:ext cx="44209" cy="331920"/>
+            <a:off x="7092966" y="3349197"/>
+            <a:ext cx="74745" cy="317225"/>
           </a:xfrm>
           <a:prstGeom prst="straightConnector1">
             <a:avLst/>
@@ -5793,7 +5793,7 @@
         </p:nvSpPr>
         <p:spPr>
           <a:xfrm>
-            <a:off x="5452320" y="4571419"/>
+            <a:off x="6244965" y="4817327"/>
             <a:ext cx="1813510" cy="629372"/>
           </a:xfrm>
           <a:prstGeom prst="rect">
@@ -5851,9 +5851,9 @@
           <p:nvPr/>
         </p:nvCxnSpPr>
         <p:spPr>
-          <a:xfrm flipV="1">
-            <a:off x="6359075" y="4147112"/>
-            <a:ext cx="0" cy="424307"/>
+          <a:xfrm flipH="1" flipV="1">
+            <a:off x="7092966" y="4214233"/>
+            <a:ext cx="58754" cy="603094"/>
           </a:xfrm>
           <a:prstGeom prst="straightConnector1">
             <a:avLst/>
@@ -5896,8 +5896,8 @@
         </p:nvSpPr>
         <p:spPr>
           <a:xfrm>
-            <a:off x="3011843" y="4800997"/>
-            <a:ext cx="2105563" cy="629372"/>
+            <a:off x="3881540" y="5098210"/>
+            <a:ext cx="2105563" cy="555704"/>
           </a:xfrm>
           <a:prstGeom prst="rect">
             <a:avLst/>
@@ -5955,8 +5955,8 @@
         </p:nvCxnSpPr>
         <p:spPr>
           <a:xfrm flipV="1">
-            <a:off x="4064625" y="2978267"/>
-            <a:ext cx="1013487" cy="1822730"/>
+            <a:off x="4934322" y="3060083"/>
+            <a:ext cx="971308" cy="2038127"/>
           </a:xfrm>
           <a:prstGeom prst="straightConnector1">
             <a:avLst/>
@@ -6003,8 +6003,8 @@
         </p:nvCxnSpPr>
         <p:spPr>
           <a:xfrm flipH="1" flipV="1">
-            <a:off x="3769233" y="3613877"/>
-            <a:ext cx="1683087" cy="1272228"/>
+            <a:off x="4925282" y="3159473"/>
+            <a:ext cx="1319683" cy="1972540"/>
           </a:xfrm>
           <a:prstGeom prst="straightConnector1">
             <a:avLst/>
@@ -6051,8 +6051,8 @@
         </p:nvCxnSpPr>
         <p:spPr>
           <a:xfrm flipH="1" flipV="1">
-            <a:off x="3769233" y="3613877"/>
-            <a:ext cx="295392" cy="1187120"/>
+            <a:off x="4925282" y="3159473"/>
+            <a:ext cx="9040" cy="1938737"/>
           </a:xfrm>
           <a:prstGeom prst="straightConnector1">
             <a:avLst/>
@@ -6095,7 +6095,7 @@
         </p:nvSpPr>
         <p:spPr>
           <a:xfrm>
-            <a:off x="4042542" y="5622473"/>
+            <a:off x="4957583" y="5717114"/>
             <a:ext cx="2137539" cy="524586"/>
           </a:xfrm>
           <a:prstGeom prst="rect">
@@ -6149,8 +6149,8 @@
         </p:nvSpPr>
         <p:spPr>
           <a:xfrm>
-            <a:off x="5260789" y="6224150"/>
-            <a:ext cx="2137539" cy="537973"/>
+            <a:off x="6318399" y="6302215"/>
+            <a:ext cx="2111392" cy="499832"/>
           </a:xfrm>
           <a:prstGeom prst="rect">
             <a:avLst/>
@@ -6206,9 +6206,9 @@
           <p:nvPr/>
         </p:nvCxnSpPr>
         <p:spPr>
-          <a:xfrm flipV="1">
-            <a:off x="6329559" y="5200791"/>
-            <a:ext cx="29516" cy="1023359"/>
+          <a:xfrm flipH="1" flipV="1">
+            <a:off x="7151720" y="5446699"/>
+            <a:ext cx="222375" cy="855516"/>
           </a:xfrm>
           <a:prstGeom prst="straightConnector1">
             <a:avLst/>
@@ -6255,8 +6255,8 @@
         </p:nvCxnSpPr>
         <p:spPr>
           <a:xfrm flipV="1">
-            <a:off x="5111312" y="5200791"/>
-            <a:ext cx="1247763" cy="421682"/>
+            <a:off x="6026353" y="5446699"/>
+            <a:ext cx="1125367" cy="270415"/>
           </a:xfrm>
           <a:prstGeom prst="straightConnector1">
             <a:avLst/>
@@ -6299,8 +6299,8 @@
         </p:nvSpPr>
         <p:spPr>
           <a:xfrm>
-            <a:off x="1373553" y="3451013"/>
-            <a:ext cx="1102449" cy="594992"/>
+            <a:off x="1037080" y="4541478"/>
+            <a:ext cx="1102449" cy="551512"/>
           </a:xfrm>
           <a:prstGeom prst="rect">
             <a:avLst/>
@@ -6354,7 +6354,7 @@
         </p:nvSpPr>
         <p:spPr>
           <a:xfrm>
-            <a:off x="69371" y="4147112"/>
+            <a:off x="95951" y="3619241"/>
             <a:ext cx="1388326" cy="594992"/>
           </a:xfrm>
           <a:prstGeom prst="rect">
@@ -6409,8 +6409,8 @@
         </p:nvSpPr>
         <p:spPr>
           <a:xfrm>
-            <a:off x="414168" y="5471831"/>
-            <a:ext cx="1356821" cy="538563"/>
+            <a:off x="60476" y="5335894"/>
+            <a:ext cx="1337966" cy="538563"/>
           </a:xfrm>
           <a:prstGeom prst="rect">
             <a:avLst/>
@@ -6463,8 +6463,8 @@
         </p:nvSpPr>
         <p:spPr>
           <a:xfrm>
-            <a:off x="1216620" y="6137548"/>
-            <a:ext cx="1416314" cy="533300"/>
+            <a:off x="807958" y="6073143"/>
+            <a:ext cx="1337966" cy="533300"/>
           </a:xfrm>
           <a:prstGeom prst="rect">
             <a:avLst/>
@@ -6521,8 +6521,8 @@
         </p:nvCxnSpPr>
         <p:spPr>
           <a:xfrm flipV="1">
-            <a:off x="1092579" y="4046005"/>
-            <a:ext cx="832199" cy="1425826"/>
+            <a:off x="729459" y="5092990"/>
+            <a:ext cx="858846" cy="242904"/>
           </a:xfrm>
           <a:prstGeom prst="straightConnector1">
             <a:avLst/>
@@ -6569,8 +6569,8 @@
         </p:nvCxnSpPr>
         <p:spPr>
           <a:xfrm flipH="1" flipV="1">
-            <a:off x="1167498" y="3013856"/>
-            <a:ext cx="757280" cy="437157"/>
+            <a:off x="1519129" y="3031650"/>
+            <a:ext cx="69176" cy="1509828"/>
           </a:xfrm>
           <a:prstGeom prst="straightConnector1">
             <a:avLst/>
@@ -6617,8 +6617,8 @@
         </p:nvCxnSpPr>
         <p:spPr>
           <a:xfrm flipV="1">
-            <a:off x="1924777" y="4046005"/>
-            <a:ext cx="1" cy="2091543"/>
+            <a:off x="1476941" y="5092990"/>
+            <a:ext cx="111364" cy="980153"/>
           </a:xfrm>
           <a:prstGeom prst="straightConnector1">
             <a:avLst/>
@@ -6664,8 +6664,8 @@
         </p:nvCxnSpPr>
         <p:spPr>
           <a:xfrm flipH="1" flipV="1">
-            <a:off x="6359075" y="4147112"/>
-            <a:ext cx="1153583" cy="331920"/>
+            <a:off x="7092966" y="4214233"/>
+            <a:ext cx="1093248" cy="499832"/>
           </a:xfrm>
           <a:prstGeom prst="straightConnector1">
             <a:avLst/>
@@ -6713,8 +6713,8 @@
         </p:nvCxnSpPr>
         <p:spPr>
           <a:xfrm flipV="1">
-            <a:off x="763534" y="3013856"/>
-            <a:ext cx="403964" cy="1133256"/>
+            <a:off x="790114" y="3031650"/>
+            <a:ext cx="729015" cy="587591"/>
           </a:xfrm>
           <a:prstGeom prst="straightConnector1">
             <a:avLst/>
@@ -6761,8 +6761,8 @@
         </p:nvCxnSpPr>
         <p:spPr>
           <a:xfrm flipV="1">
-            <a:off x="5243721" y="2084256"/>
-            <a:ext cx="260737" cy="19438"/>
+            <a:off x="4911642" y="2044943"/>
+            <a:ext cx="704656" cy="5407"/>
           </a:xfrm>
           <a:prstGeom prst="straightConnector1">
             <a:avLst/>
@@ -6819,6 +6819,203 @@
               <a:schemeClr val="tx1"/>
             </a:solidFill>
             <a:prstDash val="sysDot"/>
+            <a:miter lim="800000"/>
+            <a:headEnd w="lg" len="med"/>
+            <a:tailEnd type="triangle"/>
+          </a:ln>
+        </p:spPr>
+        <p:style>
+          <a:lnRef idx="3">
+            <a:schemeClr val="accent1"/>
+          </a:lnRef>
+          <a:fillRef idx="0">
+            <a:schemeClr val="accent1"/>
+          </a:fillRef>
+          <a:effectRef idx="2">
+            <a:schemeClr val="accent1"/>
+          </a:effectRef>
+          <a:fontRef idx="minor">
+            <a:schemeClr val="tx1"/>
+          </a:fontRef>
+        </p:style>
+      </p:cxnSp>
+      <p:sp>
+        <p:nvSpPr>
+          <p:cNvPr id="60" name="Rectangle 59">
+            <a:extLst>
+              <a:ext uri="{FF2B5EF4-FFF2-40B4-BE49-F238E27FC236}">
+                <a16:creationId xmlns:a16="http://schemas.microsoft.com/office/drawing/2014/main" id="{45F60E7D-4B42-4D14-9F64-09DABA85B53A}"/>
+              </a:ext>
+            </a:extLst>
+          </p:cNvPr>
+          <p:cNvSpPr/>
+          <p:nvPr/>
+        </p:nvSpPr>
+        <p:spPr>
+          <a:xfrm>
+            <a:off x="2316208" y="3504590"/>
+            <a:ext cx="2535082" cy="583620"/>
+          </a:xfrm>
+          <a:prstGeom prst="rect">
+            <a:avLst/>
+          </a:prstGeom>
+          <a:solidFill>
+            <a:srgbClr val="7030A0"/>
+          </a:solidFill>
+        </p:spPr>
+        <p:style>
+          <a:lnRef idx="2">
+            <a:schemeClr val="accent1">
+              <a:shade val="50000"/>
+            </a:schemeClr>
+          </a:lnRef>
+          <a:fillRef idx="1">
+            <a:schemeClr val="accent1"/>
+          </a:fillRef>
+          <a:effectRef idx="0">
+            <a:schemeClr val="accent1"/>
+          </a:effectRef>
+          <a:fontRef idx="minor">
+            <a:schemeClr val="lt1"/>
+          </a:fontRef>
+        </p:style>
+        <p:txBody>
+          <a:bodyPr rtlCol="0" anchor="ctr"/>
+          <a:lstStyle/>
+          <a:p>
+            <a:pPr algn="ctr"/>
+            <a:r>
+              <a:rPr lang="en-US" dirty="0" err="1"/>
+              <a:t>IPAddressSegmentSeries</a:t>
+            </a:r>
+            <a:endParaRPr lang="en-US" dirty="0"/>
+          </a:p>
+        </p:txBody>
+      </p:sp>
+      <p:cxnSp>
+        <p:nvCxnSpPr>
+          <p:cNvPr id="61" name="Straight Arrow Connector 60">
+            <a:extLst>
+              <a:ext uri="{FF2B5EF4-FFF2-40B4-BE49-F238E27FC236}">
+                <a16:creationId xmlns:a16="http://schemas.microsoft.com/office/drawing/2014/main" id="{C3FD3A8A-4C60-4F52-BB3C-FD6505681642}"/>
+              </a:ext>
+            </a:extLst>
+          </p:cNvPr>
+          <p:cNvCxnSpPr>
+            <a:cxnSpLocks/>
+            <a:stCxn id="189" idx="1"/>
+            <a:endCxn id="60" idx="2"/>
+          </p:cNvCxnSpPr>
+          <p:nvPr/>
+        </p:nvCxnSpPr>
+        <p:spPr>
+          <a:xfrm flipH="1" flipV="1">
+            <a:off x="3583749" y="4088210"/>
+            <a:ext cx="2661216" cy="1043803"/>
+          </a:xfrm>
+          <a:prstGeom prst="straightConnector1">
+            <a:avLst/>
+          </a:prstGeom>
+          <a:ln w="44450" cap="flat">
+            <a:solidFill>
+              <a:schemeClr val="tx1"/>
+            </a:solidFill>
+            <a:miter lim="800000"/>
+            <a:headEnd w="lg" len="med"/>
+            <a:tailEnd type="triangle"/>
+          </a:ln>
+        </p:spPr>
+        <p:style>
+          <a:lnRef idx="3">
+            <a:schemeClr val="accent1"/>
+          </a:lnRef>
+          <a:fillRef idx="0">
+            <a:schemeClr val="accent1"/>
+          </a:fillRef>
+          <a:effectRef idx="2">
+            <a:schemeClr val="accent1"/>
+          </a:effectRef>
+          <a:fontRef idx="minor">
+            <a:schemeClr val="tx1"/>
+          </a:fontRef>
+        </p:style>
+      </p:cxnSp>
+      <p:cxnSp>
+        <p:nvCxnSpPr>
+          <p:cNvPr id="64" name="Straight Arrow Connector 63">
+            <a:extLst>
+              <a:ext uri="{FF2B5EF4-FFF2-40B4-BE49-F238E27FC236}">
+                <a16:creationId xmlns:a16="http://schemas.microsoft.com/office/drawing/2014/main" id="{9F902988-9636-4B09-A847-DDB014B750FB}"/>
+              </a:ext>
+            </a:extLst>
+          </p:cNvPr>
+          <p:cNvCxnSpPr>
+            <a:cxnSpLocks/>
+            <a:stCxn id="332" idx="0"/>
+            <a:endCxn id="60" idx="2"/>
+          </p:cNvCxnSpPr>
+          <p:nvPr/>
+        </p:nvCxnSpPr>
+        <p:spPr>
+          <a:xfrm flipV="1">
+            <a:off x="1588305" y="4088210"/>
+            <a:ext cx="1995444" cy="453268"/>
+          </a:xfrm>
+          <a:prstGeom prst="straightConnector1">
+            <a:avLst/>
+          </a:prstGeom>
+          <a:ln w="44450" cap="flat">
+            <a:solidFill>
+              <a:schemeClr val="tx1"/>
+            </a:solidFill>
+            <a:miter lim="800000"/>
+            <a:headEnd w="lg" len="med"/>
+            <a:tailEnd type="triangle"/>
+          </a:ln>
+        </p:spPr>
+        <p:style>
+          <a:lnRef idx="3">
+            <a:schemeClr val="accent1"/>
+          </a:lnRef>
+          <a:fillRef idx="0">
+            <a:schemeClr val="accent1"/>
+          </a:fillRef>
+          <a:effectRef idx="2">
+            <a:schemeClr val="accent1"/>
+          </a:effectRef>
+          <a:fontRef idx="minor">
+            <a:schemeClr val="tx1"/>
+          </a:fontRef>
+        </p:style>
+      </p:cxnSp>
+      <p:cxnSp>
+        <p:nvCxnSpPr>
+          <p:cNvPr id="69" name="Straight Arrow Connector 68">
+            <a:extLst>
+              <a:ext uri="{FF2B5EF4-FFF2-40B4-BE49-F238E27FC236}">
+                <a16:creationId xmlns:a16="http://schemas.microsoft.com/office/drawing/2014/main" id="{552772F1-FFEA-49DC-8C8B-94E2CC17A922}"/>
+              </a:ext>
+            </a:extLst>
+          </p:cNvPr>
+          <p:cNvCxnSpPr>
+            <a:cxnSpLocks/>
+            <a:stCxn id="60" idx="0"/>
+            <a:endCxn id="25" idx="2"/>
+          </p:cNvCxnSpPr>
+          <p:nvPr/>
+        </p:nvCxnSpPr>
+        <p:spPr>
+          <a:xfrm flipV="1">
+            <a:off x="3583749" y="2326105"/>
+            <a:ext cx="159436" cy="1178485"/>
+          </a:xfrm>
+          <a:prstGeom prst="straightConnector1">
+            <a:avLst/>
+          </a:prstGeom>
+          <a:ln w="44450" cap="flat">
+            <a:solidFill>
+              <a:schemeClr val="tx1"/>
+            </a:solidFill>
             <a:miter lim="800000"/>
             <a:headEnd w="lg" len="med"/>
             <a:tailEnd type="triangle"/>
@@ -6883,7 +7080,7 @@
         </p:nvSpPr>
         <p:spPr>
           <a:xfrm>
-            <a:off x="4201423" y="21518"/>
+            <a:off x="1814171" y="262625"/>
             <a:ext cx="1735510" cy="620292"/>
           </a:xfrm>
           <a:prstGeom prst="rect">
@@ -6936,7 +7133,7 @@
         </p:nvSpPr>
         <p:spPr>
           <a:xfrm>
-            <a:off x="2691241" y="999281"/>
+            <a:off x="303989" y="1240388"/>
             <a:ext cx="2093844" cy="597314"/>
           </a:xfrm>
           <a:prstGeom prst="rect">
@@ -6989,7 +7186,7 @@
         </p:nvSpPr>
         <p:spPr>
           <a:xfrm>
-            <a:off x="5146891" y="999281"/>
+            <a:off x="2537964" y="1240388"/>
             <a:ext cx="2381768" cy="597314"/>
           </a:xfrm>
           <a:prstGeom prst="rect">
@@ -7042,7 +7239,7 @@
         </p:nvSpPr>
         <p:spPr>
           <a:xfrm>
-            <a:off x="3633238" y="2178219"/>
+            <a:off x="1367745" y="2347786"/>
             <a:ext cx="2303695" cy="583620"/>
           </a:xfrm>
           <a:prstGeom prst="rect">
@@ -7099,7 +7296,7 @@
         </p:nvCxnSpPr>
         <p:spPr>
           <a:xfrm flipV="1">
-            <a:off x="3738163" y="641810"/>
+            <a:off x="1350911" y="882917"/>
             <a:ext cx="1331015" cy="357471"/>
           </a:xfrm>
           <a:prstGeom prst="straightConnector1">
@@ -7147,8 +7344,8 @@
         </p:nvCxnSpPr>
         <p:spPr>
           <a:xfrm flipH="1" flipV="1">
-            <a:off x="3738163" y="1596595"/>
-            <a:ext cx="1046923" cy="581624"/>
+            <a:off x="1350911" y="1837702"/>
+            <a:ext cx="1168682" cy="510084"/>
           </a:xfrm>
           <a:prstGeom prst="straightConnector1">
             <a:avLst/>
@@ -7191,7 +7388,7 @@
         </p:nvSpPr>
         <p:spPr>
           <a:xfrm>
-            <a:off x="4149709" y="3195793"/>
+            <a:off x="3332855" y="3432726"/>
             <a:ext cx="1270754" cy="551512"/>
           </a:xfrm>
           <a:prstGeom prst="rect">
@@ -7248,9 +7445,9 @@
           <p:nvPr/>
         </p:nvCxnSpPr>
         <p:spPr>
-          <a:xfrm flipV="1">
-            <a:off x="4785086" y="2761839"/>
-            <a:ext cx="0" cy="433954"/>
+          <a:xfrm flipH="1" flipV="1">
+            <a:off x="2519593" y="2931406"/>
+            <a:ext cx="1448639" cy="501320"/>
           </a:xfrm>
           <a:prstGeom prst="straightConnector1">
             <a:avLst/>
@@ -7297,8 +7494,8 @@
         </p:nvCxnSpPr>
         <p:spPr>
           <a:xfrm flipH="1" flipV="1">
-            <a:off x="5069178" y="641810"/>
-            <a:ext cx="1268597" cy="357471"/>
+            <a:off x="2681926" y="882917"/>
+            <a:ext cx="1046922" cy="357471"/>
           </a:xfrm>
           <a:prstGeom prst="straightConnector1">
             <a:avLst/>
@@ -7341,7 +7538,7 @@
         </p:nvSpPr>
         <p:spPr>
           <a:xfrm>
-            <a:off x="3151696" y="4426658"/>
+            <a:off x="1537341" y="4656763"/>
             <a:ext cx="1315702" cy="530604"/>
           </a:xfrm>
           <a:prstGeom prst="rect">
@@ -7396,7 +7593,7 @@
         </p:nvSpPr>
         <p:spPr>
           <a:xfrm>
-            <a:off x="4819126" y="4424182"/>
+            <a:off x="3204771" y="4654287"/>
             <a:ext cx="1526922" cy="535932"/>
           </a:xfrm>
           <a:prstGeom prst="rect">
@@ -7451,7 +7648,7 @@
         </p:nvSpPr>
         <p:spPr>
           <a:xfrm>
-            <a:off x="1782035" y="5671168"/>
+            <a:off x="597853" y="5912995"/>
             <a:ext cx="1470281" cy="538563"/>
           </a:xfrm>
           <a:prstGeom prst="rect">
@@ -7505,7 +7702,7 @@
         </p:nvSpPr>
         <p:spPr>
           <a:xfrm>
-            <a:off x="3723130" y="5673800"/>
+            <a:off x="2379716" y="5912995"/>
             <a:ext cx="1724397" cy="533300"/>
           </a:xfrm>
           <a:prstGeom prst="rect">
@@ -7563,8 +7760,8 @@
         </p:nvCxnSpPr>
         <p:spPr>
           <a:xfrm flipV="1">
-            <a:off x="2517176" y="4957262"/>
-            <a:ext cx="1292371" cy="713906"/>
+            <a:off x="1332994" y="5187367"/>
+            <a:ext cx="862198" cy="725628"/>
           </a:xfrm>
           <a:prstGeom prst="straightConnector1">
             <a:avLst/>
@@ -7611,8 +7808,8 @@
         </p:nvCxnSpPr>
         <p:spPr>
           <a:xfrm flipV="1">
-            <a:off x="3809547" y="3747305"/>
-            <a:ext cx="975539" cy="679353"/>
+            <a:off x="2195192" y="3984238"/>
+            <a:ext cx="1773040" cy="672525"/>
           </a:xfrm>
           <a:prstGeom prst="straightConnector1">
             <a:avLst/>
@@ -7659,8 +7856,8 @@
         </p:nvCxnSpPr>
         <p:spPr>
           <a:xfrm flipH="1" flipV="1">
-            <a:off x="3809547" y="4957262"/>
-            <a:ext cx="775782" cy="716538"/>
+            <a:off x="2195192" y="5187367"/>
+            <a:ext cx="1046723" cy="725628"/>
           </a:xfrm>
           <a:prstGeom prst="straightConnector1">
             <a:avLst/>
@@ -7706,9 +7903,9 @@
           <p:nvPr/>
         </p:nvCxnSpPr>
         <p:spPr>
-          <a:xfrm flipH="1" flipV="1">
-            <a:off x="4785086" y="3747305"/>
-            <a:ext cx="797501" cy="676877"/>
+          <a:xfrm flipV="1">
+            <a:off x="3968232" y="3984238"/>
+            <a:ext cx="0" cy="670049"/>
           </a:xfrm>
           <a:prstGeom prst="straightConnector1">
             <a:avLst/>
@@ -7755,8 +7952,157 @@
         </p:nvCxnSpPr>
         <p:spPr>
           <a:xfrm flipV="1">
-            <a:off x="4785086" y="1596595"/>
-            <a:ext cx="1552689" cy="581624"/>
+            <a:off x="2519593" y="1837702"/>
+            <a:ext cx="1209255" cy="510084"/>
+          </a:xfrm>
+          <a:prstGeom prst="straightConnector1">
+            <a:avLst/>
+          </a:prstGeom>
+          <a:ln w="44450" cap="flat">
+            <a:solidFill>
+              <a:schemeClr val="tx1"/>
+            </a:solidFill>
+            <a:miter lim="800000"/>
+            <a:headEnd w="lg" len="med"/>
+            <a:tailEnd type="triangle"/>
+          </a:ln>
+        </p:spPr>
+        <p:style>
+          <a:lnRef idx="3">
+            <a:schemeClr val="accent1"/>
+          </a:lnRef>
+          <a:fillRef idx="0">
+            <a:schemeClr val="accent1"/>
+          </a:fillRef>
+          <a:effectRef idx="2">
+            <a:schemeClr val="accent1"/>
+          </a:effectRef>
+          <a:fontRef idx="minor">
+            <a:schemeClr val="tx1"/>
+          </a:fontRef>
+        </p:style>
+      </p:cxnSp>
+      <p:sp>
+        <p:nvSpPr>
+          <p:cNvPr id="20" name="Rectangle 19">
+            <a:extLst>
+              <a:ext uri="{FF2B5EF4-FFF2-40B4-BE49-F238E27FC236}">
+                <a16:creationId xmlns:a16="http://schemas.microsoft.com/office/drawing/2014/main" id="{6362C727-9AD5-4EDF-AE42-37A181EF6730}"/>
+              </a:ext>
+            </a:extLst>
+          </p:cNvPr>
+          <p:cNvSpPr/>
+          <p:nvPr/>
+        </p:nvSpPr>
+        <p:spPr>
+          <a:xfrm>
+            <a:off x="546630" y="3426595"/>
+            <a:ext cx="2535082" cy="548880"/>
+          </a:xfrm>
+          <a:prstGeom prst="rect">
+            <a:avLst/>
+          </a:prstGeom>
+          <a:solidFill>
+            <a:srgbClr val="7030A0"/>
+          </a:solidFill>
+        </p:spPr>
+        <p:style>
+          <a:lnRef idx="2">
+            <a:schemeClr val="accent1">
+              <a:shade val="50000"/>
+            </a:schemeClr>
+          </a:lnRef>
+          <a:fillRef idx="1">
+            <a:schemeClr val="accent1"/>
+          </a:fillRef>
+          <a:effectRef idx="0">
+            <a:schemeClr val="accent1"/>
+          </a:effectRef>
+          <a:fontRef idx="minor">
+            <a:schemeClr val="lt1"/>
+          </a:fontRef>
+        </p:style>
+        <p:txBody>
+          <a:bodyPr rtlCol="0" anchor="ctr"/>
+          <a:lstStyle/>
+          <a:p>
+            <a:pPr algn="ctr"/>
+            <a:r>
+              <a:rPr lang="en-US" dirty="0" err="1"/>
+              <a:t>IPAddressSegmentSeries</a:t>
+            </a:r>
+            <a:endParaRPr lang="en-US" dirty="0"/>
+          </a:p>
+        </p:txBody>
+      </p:sp>
+      <p:cxnSp>
+        <p:nvCxnSpPr>
+          <p:cNvPr id="24" name="Straight Arrow Connector 23">
+            <a:extLst>
+              <a:ext uri="{FF2B5EF4-FFF2-40B4-BE49-F238E27FC236}">
+                <a16:creationId xmlns:a16="http://schemas.microsoft.com/office/drawing/2014/main" id="{505FC3C4-5A91-49C3-802F-A529FFF322F1}"/>
+              </a:ext>
+            </a:extLst>
+          </p:cNvPr>
+          <p:cNvCxnSpPr>
+            <a:cxnSpLocks/>
+            <a:stCxn id="332" idx="0"/>
+            <a:endCxn id="20" idx="2"/>
+          </p:cNvCxnSpPr>
+          <p:nvPr/>
+        </p:nvCxnSpPr>
+        <p:spPr>
+          <a:xfrm flipH="1" flipV="1">
+            <a:off x="1814171" y="3975475"/>
+            <a:ext cx="381021" cy="681288"/>
+          </a:xfrm>
+          <a:prstGeom prst="straightConnector1">
+            <a:avLst/>
+          </a:prstGeom>
+          <a:ln w="44450" cap="flat">
+            <a:solidFill>
+              <a:schemeClr val="tx1"/>
+            </a:solidFill>
+            <a:miter lim="800000"/>
+            <a:headEnd w="lg" len="med"/>
+            <a:tailEnd type="triangle"/>
+          </a:ln>
+        </p:spPr>
+        <p:style>
+          <a:lnRef idx="3">
+            <a:schemeClr val="accent1"/>
+          </a:lnRef>
+          <a:fillRef idx="0">
+            <a:schemeClr val="accent1"/>
+          </a:fillRef>
+          <a:effectRef idx="2">
+            <a:schemeClr val="accent1"/>
+          </a:effectRef>
+          <a:fontRef idx="minor">
+            <a:schemeClr val="tx1"/>
+          </a:fontRef>
+        </p:style>
+      </p:cxnSp>
+      <p:cxnSp>
+        <p:nvCxnSpPr>
+          <p:cNvPr id="27" name="Straight Arrow Connector 26">
+            <a:extLst>
+              <a:ext uri="{FF2B5EF4-FFF2-40B4-BE49-F238E27FC236}">
+                <a16:creationId xmlns:a16="http://schemas.microsoft.com/office/drawing/2014/main" id="{F44C694C-7151-4C04-BFF9-BEC38A56F4A7}"/>
+              </a:ext>
+            </a:extLst>
+          </p:cNvPr>
+          <p:cNvCxnSpPr>
+            <a:cxnSpLocks/>
+            <a:stCxn id="20" idx="0"/>
+            <a:endCxn id="25" idx="2"/>
+          </p:cNvCxnSpPr>
+          <p:nvPr/>
+        </p:nvCxnSpPr>
+        <p:spPr>
+          <a:xfrm flipV="1">
+            <a:off x="1814171" y="2931406"/>
+            <a:ext cx="705422" cy="495189"/>
           </a:xfrm>
           <a:prstGeom prst="straightConnector1">
             <a:avLst/>
